--- a/Presentation/Project3.pptx
+++ b/Presentation/Project3.pptx
@@ -21,23 +21,24 @@
     <p:sldId id="266" r:id="rId16"/>
     <p:sldId id="267" r:id="rId17"/>
     <p:sldId id="268" r:id="rId18"/>
+    <p:sldId id="269" r:id="rId19"/>
   </p:sldIdLst>
   <p:sldSz cy="5143500" cx="9144000"/>
   <p:notesSz cx="6858000" cy="9144000"/>
   <p:embeddedFontLst>
     <p:embeddedFont>
       <p:font typeface="Playfair Display"/>
-      <p:regular r:id="rId19"/>
-      <p:bold r:id="rId20"/>
-      <p:italic r:id="rId21"/>
-      <p:boldItalic r:id="rId22"/>
+      <p:regular r:id="rId20"/>
+      <p:bold r:id="rId21"/>
+      <p:italic r:id="rId22"/>
+      <p:boldItalic r:id="rId23"/>
     </p:embeddedFont>
     <p:embeddedFont>
       <p:font typeface="Lato"/>
-      <p:regular r:id="rId23"/>
-      <p:bold r:id="rId24"/>
-      <p:italic r:id="rId25"/>
-      <p:boldItalic r:id="rId26"/>
+      <p:regular r:id="rId24"/>
+      <p:bold r:id="rId25"/>
+      <p:italic r:id="rId26"/>
+      <p:boldItalic r:id="rId27"/>
     </p:embeddedFont>
   </p:embeddedFontLst>
   <p:defaultTextStyle>
@@ -1276,6 +1277,207 @@
 </p:notes>
 </file>
 
+<file path=ppt/notesSlides/notesSlide14.xml><?xml version="1.0" encoding="utf-8"?>
+<p:notes xmlns:a="http://schemas.openxmlformats.org/drawingml/2006/main" xmlns:r="http://schemas.openxmlformats.org/officeDocument/2006/relationships" xmlns:mc="http://schemas.openxmlformats.org/markup-compatibility/2006" xmlns:mv="urn:schemas-microsoft-com:mac:vml" xmlns:p="http://schemas.openxmlformats.org/presentationml/2006/main" xmlns:c="http://schemas.openxmlformats.org/drawingml/2006/chart" xmlns:dgm="http://schemas.openxmlformats.org/drawingml/2006/diagram" xmlns:o="urn:schemas-microsoft-com:office:office" xmlns:v="urn:schemas-microsoft-com:vml" xmlns:pvml="urn:schemas-microsoft-com:office:powerpoint" xmlns:com="http://schemas.openxmlformats.org/drawingml/2006/compatibility" xmlns:p14="http://schemas.microsoft.com/office/powerpoint/2010/main" xmlns:p15="http://schemas.microsoft.com/office/powerpoint/2012/main" xmlns:ahyp="http://schemas.microsoft.com/office/drawing/2018/hyperlinkcolor" showMasterPhAnim="0" showMasterSp="0">
+  <p:cSld>
+    <p:spTree>
+      <p:nvGrpSpPr>
+        <p:cNvPr id="149" name="Shape 149"/>
+        <p:cNvGrpSpPr/>
+        <p:nvPr/>
+      </p:nvGrpSpPr>
+      <p:grpSpPr>
+        <a:xfrm>
+          <a:off x="0" y="0"/>
+          <a:ext cx="0" cy="0"/>
+          <a:chOff x="0" y="0"/>
+          <a:chExt cx="0" cy="0"/>
+        </a:xfrm>
+      </p:grpSpPr>
+      <p:sp>
+        <p:nvSpPr>
+          <p:cNvPr id="150" name="Google Shape;150;g1d2fa20ee33_0_87:notes"/>
+          <p:cNvSpPr/>
+          <p:nvPr>
+            <p:ph idx="2" type="sldImg"/>
+          </p:nvPr>
+        </p:nvSpPr>
+        <p:spPr>
+          <a:xfrm>
+            <a:off x="381300" y="685800"/>
+            <a:ext cx="6096000" cy="3429000"/>
+          </a:xfrm>
+          <a:custGeom>
+            <a:rect b="b" l="l" r="r" t="t"/>
+            <a:pathLst>
+              <a:path extrusionOk="0" h="120000" w="120000">
+                <a:moveTo>
+                  <a:pt x="0" y="0"/>
+                </a:moveTo>
+                <a:lnTo>
+                  <a:pt x="120000" y="0"/>
+                </a:lnTo>
+                <a:lnTo>
+                  <a:pt x="120000" y="120000"/>
+                </a:lnTo>
+                <a:lnTo>
+                  <a:pt x="0" y="120000"/>
+                </a:lnTo>
+                <a:close/>
+              </a:path>
+            </a:pathLst>
+          </a:custGeom>
+        </p:spPr>
+      </p:sp>
+      <p:sp>
+        <p:nvSpPr>
+          <p:cNvPr id="151" name="Google Shape;151;g1d2fa20ee33_0_87:notes"/>
+          <p:cNvSpPr txBox="1"/>
+          <p:nvPr>
+            <p:ph idx="1" type="body"/>
+          </p:nvPr>
+        </p:nvSpPr>
+        <p:spPr>
+          <a:xfrm>
+            <a:off x="685800" y="4343400"/>
+            <a:ext cx="5486400" cy="4114800"/>
+          </a:xfrm>
+          <a:prstGeom prst="rect">
+            <a:avLst/>
+          </a:prstGeom>
+        </p:spPr>
+        <p:txBody>
+          <a:bodyPr anchorCtr="0" anchor="t" bIns="91425" lIns="91425" spcFirstLastPara="1" rIns="91425" wrap="square" tIns="91425">
+            <a:noAutofit/>
+          </a:bodyPr>
+          <a:lstStyle/>
+          <a:p>
+            <a:pPr indent="0" lvl="0" marL="0" rtl="0" algn="l">
+              <a:spcBef>
+                <a:spcPts val="0"/>
+              </a:spcBef>
+              <a:spcAft>
+                <a:spcPts val="0"/>
+              </a:spcAft>
+              <a:buNone/>
+            </a:pPr>
+            <a:r>
+              <a:rPr lang="en"/>
+              <a:t>So that leaves us with next steps.</a:t>
+            </a:r>
+            <a:endParaRPr/>
+          </a:p>
+          <a:p>
+            <a:pPr indent="0" lvl="0" marL="0" rtl="0" algn="l">
+              <a:spcBef>
+                <a:spcPts val="0"/>
+              </a:spcBef>
+              <a:spcAft>
+                <a:spcPts val="0"/>
+              </a:spcAft>
+              <a:buNone/>
+            </a:pPr>
+            <a:r>
+              <a:t/>
+            </a:r>
+            <a:endParaRPr/>
+          </a:p>
+          <a:p>
+            <a:pPr indent="0" lvl="0" marL="0" rtl="0" algn="l">
+              <a:spcBef>
+                <a:spcPts val="0"/>
+              </a:spcBef>
+              <a:spcAft>
+                <a:spcPts val="0"/>
+              </a:spcAft>
+              <a:buNone/>
+            </a:pPr>
+            <a:r>
+              <a:rPr lang="en"/>
+              <a:t>If we are keeping the app </a:t>
+            </a:r>
+            <a:r>
+              <a:rPr lang="en"/>
+              <a:t>lightweight</a:t>
+            </a:r>
+            <a:r>
+              <a:rPr lang="en"/>
+              <a:t>, customer and sales performance data would be an easy include.</a:t>
+            </a:r>
+            <a:endParaRPr/>
+          </a:p>
+          <a:p>
+            <a:pPr indent="0" lvl="0" marL="0" rtl="0" algn="l">
+              <a:spcBef>
+                <a:spcPts val="0"/>
+              </a:spcBef>
+              <a:spcAft>
+                <a:spcPts val="0"/>
+              </a:spcAft>
+              <a:buNone/>
+            </a:pPr>
+            <a:r>
+              <a:t/>
+            </a:r>
+            <a:endParaRPr/>
+          </a:p>
+          <a:p>
+            <a:pPr indent="0" lvl="0" marL="0" rtl="0" algn="l">
+              <a:spcBef>
+                <a:spcPts val="0"/>
+              </a:spcBef>
+              <a:spcAft>
+                <a:spcPts val="0"/>
+              </a:spcAft>
+              <a:buNone/>
+            </a:pPr>
+            <a:r>
+              <a:rPr lang="en"/>
+              <a:t>Or you could really build the app up and start adding more modern CRM capabilities.</a:t>
+            </a:r>
+            <a:endParaRPr/>
+          </a:p>
+          <a:p>
+            <a:pPr indent="0" lvl="0" marL="0" rtl="0" algn="l">
+              <a:spcBef>
+                <a:spcPts val="0"/>
+              </a:spcBef>
+              <a:spcAft>
+                <a:spcPts val="0"/>
+              </a:spcAft>
+              <a:buNone/>
+            </a:pPr>
+            <a:r>
+              <a:t/>
+            </a:r>
+            <a:endParaRPr/>
+          </a:p>
+          <a:p>
+            <a:pPr indent="0" lvl="0" marL="0" rtl="0" algn="l">
+              <a:spcBef>
+                <a:spcPts val="0"/>
+              </a:spcBef>
+              <a:spcAft>
+                <a:spcPts val="0"/>
+              </a:spcAft>
+              <a:buNone/>
+            </a:pPr>
+            <a:r>
+              <a:rPr lang="en"/>
+              <a:t>Order input, notification</a:t>
+            </a:r>
+            <a:endParaRPr/>
+          </a:p>
+        </p:txBody>
+      </p:sp>
+    </p:spTree>
+  </p:cSld>
+  <p:clrMapOvr>
+    <a:masterClrMapping/>
+  </p:clrMapOvr>
+</p:notes>
+</file>
+
 <file path=ppt/notesSlides/notesSlide2.xml><?xml version="1.0" encoding="utf-8"?>
 <p:notes xmlns:a="http://schemas.openxmlformats.org/drawingml/2006/main" xmlns:r="http://schemas.openxmlformats.org/officeDocument/2006/relationships" xmlns:mc="http://schemas.openxmlformats.org/markup-compatibility/2006" xmlns:mv="urn:schemas-microsoft-com:mac:vml" xmlns:p="http://schemas.openxmlformats.org/presentationml/2006/main" xmlns:c="http://schemas.openxmlformats.org/drawingml/2006/chart" xmlns:dgm="http://schemas.openxmlformats.org/drawingml/2006/diagram" xmlns:o="urn:schemas-microsoft-com:office:office" xmlns:v="urn:schemas-microsoft-com:vml" xmlns:pvml="urn:schemas-microsoft-com:office:powerpoint" xmlns:com="http://schemas.openxmlformats.org/drawingml/2006/compatibility" xmlns:p14="http://schemas.microsoft.com/office/powerpoint/2010/main" xmlns:p15="http://schemas.microsoft.com/office/powerpoint/2012/main" xmlns:ahyp="http://schemas.microsoft.com/office/drawing/2018/hyperlinkcolor" showMasterPhAnim="0" showMasterSp="0">
   <p:cSld>
@@ -1366,7 +1568,7 @@
             </a:r>
             <a:r>
               <a:rPr lang="en"/>
-              <a:t>narrative for who our fictitious company is and what they are requiring from us.</a:t>
+              <a:t>narrative for who our fictitious company and what they are requiring from us.</a:t>
             </a:r>
             <a:endParaRPr/>
           </a:p>
@@ -1721,7 +1923,7 @@
             </a:pPr>
             <a:r>
               <a:rPr lang="en"/>
-              <a:t>RDS is can be relatively cheap, with an emphasis on can and relatively.</a:t>
+              <a:t>RDS obviously is very scalable, but it can be relatively cheap, with an emphasis on can and relatively.</a:t>
             </a:r>
             <a:endParaRPr/>
           </a:p>
@@ -1807,7 +2009,7 @@
             </a:r>
             <a:r>
               <a:rPr lang="en"/>
-              <a:t> left out some security group requirements but we got it going.</a:t>
+              <a:t> left out some security group requirements but after some infuriating hours we got it going.</a:t>
             </a:r>
             <a:endParaRPr/>
           </a:p>
@@ -2192,7 +2394,7 @@
             </a:pPr>
             <a:r>
               <a:rPr lang="en"/>
-              <a:t>You can see on the left our database, all the different tables in the database, and then we break out the columns in our customer table.</a:t>
+              <a:t>You can see on the left our database, called classicmodels, all the different tables in the database, (customers, employees, offices, and so on) and then we break out the columns in our customer table.</a:t>
             </a:r>
             <a:endParaRPr/>
           </a:p>
@@ -2254,7 +2456,7 @@
             </a:pPr>
             <a:r>
               <a:rPr lang="en"/>
-              <a:t>In our database the employee number column is called different things in the other tables so being able to quickly bring up the column list for </a:t>
+              <a:t>In our database the employee number column is called different things in other tables so being able to quickly bring up the column list for </a:t>
             </a:r>
             <a:r>
               <a:rPr lang="en"/>
@@ -2262,7 +2464,7 @@
             </a:r>
             <a:r>
               <a:rPr lang="en"/>
-              <a:t> tables really helped make the process easier. </a:t>
+              <a:t> tables really helped make the process quicker and easier. </a:t>
             </a:r>
             <a:endParaRPr/>
           </a:p>
@@ -2432,7 +2634,7 @@
             </a:pPr>
             <a:r>
               <a:rPr lang="en"/>
-              <a:t>As you can see, there is no center hub, the relational data is limited and the columns aren’t even named the same thing. </a:t>
+              <a:t>As you can see, there is no center hub, the relational data is limited and the columns aren’t even named the same thing, between the different tables like i mentioned before.</a:t>
             </a:r>
             <a:endParaRPr/>
           </a:p>
@@ -9364,6 +9566,312 @@
 </p:sld>
 </file>
 
+<file path=ppt/slides/slide14.xml><?xml version="1.0" encoding="utf-8"?>
+<p:sld xmlns:a="http://schemas.openxmlformats.org/drawingml/2006/main" xmlns:r="http://schemas.openxmlformats.org/officeDocument/2006/relationships" xmlns:mc="http://schemas.openxmlformats.org/markup-compatibility/2006" xmlns:mv="urn:schemas-microsoft-com:mac:vml" xmlns:p="http://schemas.openxmlformats.org/presentationml/2006/main" xmlns:c="http://schemas.openxmlformats.org/drawingml/2006/chart" xmlns:dgm="http://schemas.openxmlformats.org/drawingml/2006/diagram" xmlns:o="urn:schemas-microsoft-com:office:office" xmlns:v="urn:schemas-microsoft-com:vml" xmlns:pvml="urn:schemas-microsoft-com:office:powerpoint" xmlns:com="http://schemas.openxmlformats.org/drawingml/2006/compatibility" xmlns:p14="http://schemas.microsoft.com/office/powerpoint/2010/main" xmlns:p15="http://schemas.microsoft.com/office/powerpoint/2012/main" xmlns:ahyp="http://schemas.microsoft.com/office/drawing/2018/hyperlinkcolor">
+  <p:cSld>
+    <p:spTree>
+      <p:nvGrpSpPr>
+        <p:cNvPr id="152" name="Shape 152"/>
+        <p:cNvGrpSpPr/>
+        <p:nvPr/>
+      </p:nvGrpSpPr>
+      <p:grpSpPr>
+        <a:xfrm>
+          <a:off x="0" y="0"/>
+          <a:ext cx="0" cy="0"/>
+          <a:chOff x="0" y="0"/>
+          <a:chExt cx="0" cy="0"/>
+        </a:xfrm>
+      </p:grpSpPr>
+      <p:sp>
+        <p:nvSpPr>
+          <p:cNvPr id="153" name="Google Shape;153;p26"/>
+          <p:cNvSpPr txBox="1"/>
+          <p:nvPr>
+            <p:ph type="title"/>
+          </p:nvPr>
+        </p:nvSpPr>
+        <p:spPr>
+          <a:xfrm>
+            <a:off x="311700" y="372725"/>
+            <a:ext cx="8520600" cy="645000"/>
+          </a:xfrm>
+          <a:prstGeom prst="rect">
+            <a:avLst/>
+          </a:prstGeom>
+        </p:spPr>
+        <p:txBody>
+          <a:bodyPr anchorCtr="0" anchor="t" bIns="91425" lIns="91425" spcFirstLastPara="1" rIns="91425" wrap="square" tIns="91425">
+            <a:normAutofit fontScale="90000"/>
+          </a:bodyPr>
+          <a:lstStyle/>
+          <a:p>
+            <a:pPr indent="0" lvl="0" marL="0" rtl="0" algn="l">
+              <a:spcBef>
+                <a:spcPts val="0"/>
+              </a:spcBef>
+              <a:spcAft>
+                <a:spcPts val="0"/>
+              </a:spcAft>
+              <a:buNone/>
+            </a:pPr>
+            <a:r>
+              <a:rPr lang="en"/>
+              <a:t>Next Steps</a:t>
+            </a:r>
+            <a:endParaRPr/>
+          </a:p>
+        </p:txBody>
+      </p:sp>
+      <p:sp>
+        <p:nvSpPr>
+          <p:cNvPr id="154" name="Google Shape;154;p26"/>
+          <p:cNvSpPr txBox="1"/>
+          <p:nvPr>
+            <p:ph idx="1" type="body"/>
+          </p:nvPr>
+        </p:nvSpPr>
+        <p:spPr>
+          <a:xfrm>
+            <a:off x="225300" y="1576325"/>
+            <a:ext cx="3999900" cy="2740500"/>
+          </a:xfrm>
+          <a:prstGeom prst="rect">
+            <a:avLst/>
+          </a:prstGeom>
+        </p:spPr>
+        <p:txBody>
+          <a:bodyPr anchorCtr="0" anchor="t" bIns="91425" lIns="91425" spcFirstLastPara="1" rIns="91425" wrap="square" tIns="91425">
+            <a:normAutofit fontScale="25000" lnSpcReduction="20000"/>
+          </a:bodyPr>
+          <a:lstStyle/>
+          <a:p>
+            <a:pPr indent="0" lvl="0" marL="0" rtl="0" algn="l">
+              <a:spcBef>
+                <a:spcPts val="0"/>
+              </a:spcBef>
+              <a:spcAft>
+                <a:spcPts val="0"/>
+              </a:spcAft>
+              <a:buNone/>
+            </a:pPr>
+            <a:r>
+              <a:rPr lang="en" sz="4918"/>
+              <a:t>Basic </a:t>
+            </a:r>
+            <a:r>
+              <a:rPr lang="en" sz="4918"/>
+              <a:t>Functionality</a:t>
+            </a:r>
+            <a:r>
+              <a:rPr lang="en" sz="4918"/>
+              <a:t>:</a:t>
+            </a:r>
+            <a:endParaRPr sz="4918"/>
+          </a:p>
+          <a:p>
+            <a:pPr indent="-306676" lvl="0" marL="457200" rtl="0" algn="l">
+              <a:spcBef>
+                <a:spcPts val="1200"/>
+              </a:spcBef>
+              <a:spcAft>
+                <a:spcPts val="0"/>
+              </a:spcAft>
+              <a:buSzPct val="100000"/>
+              <a:buChar char="●"/>
+            </a:pPr>
+            <a:r>
+              <a:rPr lang="en" sz="4918"/>
+              <a:t>Sales Performance Data</a:t>
+            </a:r>
+            <a:endParaRPr sz="4918"/>
+          </a:p>
+          <a:p>
+            <a:pPr indent="-306676" lvl="0" marL="457200" rtl="0" algn="l">
+              <a:spcBef>
+                <a:spcPts val="0"/>
+              </a:spcBef>
+              <a:spcAft>
+                <a:spcPts val="0"/>
+              </a:spcAft>
+              <a:buSzPct val="100000"/>
+              <a:buChar char="●"/>
+            </a:pPr>
+            <a:r>
+              <a:rPr lang="en" sz="4918"/>
+              <a:t>Customer Performance Data</a:t>
+            </a:r>
+            <a:endParaRPr sz="4918"/>
+          </a:p>
+          <a:p>
+            <a:pPr indent="0" lvl="0" marL="0" rtl="0" algn="l">
+              <a:spcBef>
+                <a:spcPts val="1200"/>
+              </a:spcBef>
+              <a:spcAft>
+                <a:spcPts val="0"/>
+              </a:spcAft>
+              <a:buNone/>
+            </a:pPr>
+            <a:r>
+              <a:t/>
+            </a:r>
+            <a:endParaRPr sz="4918"/>
+          </a:p>
+          <a:p>
+            <a:pPr indent="0" lvl="0" marL="0" rtl="0" algn="l">
+              <a:spcBef>
+                <a:spcPts val="1200"/>
+              </a:spcBef>
+              <a:spcAft>
+                <a:spcPts val="0"/>
+              </a:spcAft>
+              <a:buNone/>
+            </a:pPr>
+            <a:r>
+              <a:rPr lang="en" sz="4918"/>
+              <a:t>More CRM Capabilities</a:t>
+            </a:r>
+            <a:endParaRPr sz="4918"/>
+          </a:p>
+          <a:p>
+            <a:pPr indent="-306676" lvl="0" marL="457200" rtl="0" algn="l">
+              <a:spcBef>
+                <a:spcPts val="1200"/>
+              </a:spcBef>
+              <a:spcAft>
+                <a:spcPts val="0"/>
+              </a:spcAft>
+              <a:buSzPct val="100000"/>
+              <a:buChar char="●"/>
+            </a:pPr>
+            <a:r>
+              <a:rPr lang="en" sz="4918"/>
+              <a:t>Order Input</a:t>
+            </a:r>
+            <a:endParaRPr sz="4918"/>
+          </a:p>
+          <a:p>
+            <a:pPr indent="-306676" lvl="0" marL="457200" rtl="0" algn="l">
+              <a:spcBef>
+                <a:spcPts val="0"/>
+              </a:spcBef>
+              <a:spcAft>
+                <a:spcPts val="0"/>
+              </a:spcAft>
+              <a:buSzPct val="100000"/>
+              <a:buChar char="●"/>
+            </a:pPr>
+            <a:r>
+              <a:rPr lang="en" sz="4918"/>
+              <a:t>Opportunity Management</a:t>
+            </a:r>
+            <a:endParaRPr sz="4918"/>
+          </a:p>
+          <a:p>
+            <a:pPr indent="-306676" lvl="0" marL="457200" rtl="0" algn="l">
+              <a:spcBef>
+                <a:spcPts val="0"/>
+              </a:spcBef>
+              <a:spcAft>
+                <a:spcPts val="0"/>
+              </a:spcAft>
+              <a:buSzPct val="100000"/>
+              <a:buChar char="●"/>
+            </a:pPr>
+            <a:r>
+              <a:rPr lang="en" sz="4918"/>
+              <a:t>Notifications</a:t>
+            </a:r>
+            <a:endParaRPr sz="4918"/>
+          </a:p>
+          <a:p>
+            <a:pPr indent="-303501" lvl="1" marL="914400" rtl="0" algn="l">
+              <a:spcBef>
+                <a:spcPts val="0"/>
+              </a:spcBef>
+              <a:spcAft>
+                <a:spcPts val="0"/>
+              </a:spcAft>
+              <a:buSzPct val="100000"/>
+              <a:buChar char="○"/>
+            </a:pPr>
+            <a:r>
+              <a:rPr lang="en" sz="4718"/>
+              <a:t>Sales</a:t>
+            </a:r>
+            <a:endParaRPr sz="4718"/>
+          </a:p>
+          <a:p>
+            <a:pPr indent="-303501" lvl="1" marL="914400" rtl="0" algn="l">
+              <a:spcBef>
+                <a:spcPts val="0"/>
+              </a:spcBef>
+              <a:spcAft>
+                <a:spcPts val="0"/>
+              </a:spcAft>
+              <a:buSzPct val="100000"/>
+              <a:buChar char="○"/>
+            </a:pPr>
+            <a:r>
+              <a:rPr lang="en" sz="4718"/>
+              <a:t>Inventory</a:t>
+            </a:r>
+            <a:endParaRPr sz="4718"/>
+          </a:p>
+          <a:p>
+            <a:pPr indent="0" lvl="0" marL="457200" rtl="0" algn="l">
+              <a:spcBef>
+                <a:spcPts val="1200"/>
+              </a:spcBef>
+              <a:spcAft>
+                <a:spcPts val="1200"/>
+              </a:spcAft>
+              <a:buNone/>
+            </a:pPr>
+            <a:r>
+              <a:t/>
+            </a:r>
+            <a:endParaRPr sz="1500"/>
+          </a:p>
+        </p:txBody>
+      </p:sp>
+      <p:pic>
+        <p:nvPicPr>
+          <p:cNvPr id="155" name="Google Shape;155;p26"/>
+          <p:cNvPicPr preferRelativeResize="0"/>
+          <p:nvPr/>
+        </p:nvPicPr>
+        <p:blipFill>
+          <a:blip r:embed="rId3">
+            <a:alphaModFix/>
+          </a:blip>
+          <a:stretch>
+            <a:fillRect/>
+          </a:stretch>
+        </p:blipFill>
+        <p:spPr>
+          <a:xfrm>
+            <a:off x="4129600" y="1576313"/>
+            <a:ext cx="4586450" cy="1990873"/>
+          </a:xfrm>
+          <a:prstGeom prst="rect">
+            <a:avLst/>
+          </a:prstGeom>
+          <a:noFill/>
+          <a:ln>
+            <a:noFill/>
+          </a:ln>
+        </p:spPr>
+      </p:pic>
+    </p:spTree>
+  </p:cSld>
+  <p:clrMapOvr>
+    <a:masterClrMapping/>
+  </p:clrMapOvr>
+</p:sld>
+</file>
+
 <file path=ppt/slides/slide2.xml><?xml version="1.0" encoding="utf-8"?>
 <p:sld xmlns:a="http://schemas.openxmlformats.org/drawingml/2006/main" xmlns:r="http://schemas.openxmlformats.org/officeDocument/2006/relationships" xmlns:mc="http://schemas.openxmlformats.org/markup-compatibility/2006" xmlns:mv="urn:schemas-microsoft-com:mac:vml" xmlns:p="http://schemas.openxmlformats.org/presentationml/2006/main" xmlns:c="http://schemas.openxmlformats.org/drawingml/2006/chart" xmlns:dgm="http://schemas.openxmlformats.org/drawingml/2006/diagram" xmlns:o="urn:schemas-microsoft-com:office:office" xmlns:v="urn:schemas-microsoft-com:vml" xmlns:pvml="urn:schemas-microsoft-com:office:powerpoint" xmlns:com="http://schemas.openxmlformats.org/drawingml/2006/compatibility" xmlns:p14="http://schemas.microsoft.com/office/powerpoint/2010/main" xmlns:p15="http://schemas.microsoft.com/office/powerpoint/2012/main" xmlns:ahyp="http://schemas.microsoft.com/office/drawing/2018/hyperlinkcolor">
   <p:cSld>
